--- a/slides/Day2.pptx
+++ b/slides/Day2.pptx
@@ -121,6 +121,11 @@
       </a:defRPr>
     </a:lvl9pPr>
   </p:defaultTextStyle>
+  <p:extLst>
+    <p:ext uri="{EFAFB233-063F-42B5-8137-9DF3F51BA10A}">
+      <p15:sldGuideLst xmlns:p15="http://schemas.microsoft.com/office/powerpoint/2012/main"/>
+    </p:ext>
+  </p:extLst>
 </p:presentation>
 </file>
 
@@ -206,7 +211,7 @@
           <a:p>
             <a:fld id="{05237051-8332-4A44-B7E5-FF79E87E8124}" type="datetimeFigureOut">
               <a:rPr lang="en-US" smtClean="0"/>
-              <a:t>10/13/2023</a:t>
+              <a:t>10/23/2023</a:t>
             </a:fld>
             <a:endParaRPr lang="en-US"/>
           </a:p>
@@ -568,7 +573,7 @@
           <a:effectLst/>
           <a:extLst>
             <a:ext uri="{91240B29-F687-4f45-9708-019B960494DF}">
-              <a14:hiddenLine xmlns="" xmlns:a14="http://schemas.microsoft.com/office/drawing/2010/main" w="9525">
+              <a14:hiddenLine xmlns:a14="http://schemas.microsoft.com/office/drawing/2010/main" xmlns="" w="9525">
                 <a:solidFill>
                   <a:srgbClr val="000000"/>
                 </a:solidFill>
@@ -760,7 +765,7 @@
           <a:p>
             <a:fld id="{6D62041A-534C-485A-9850-09A0E2BEF2BD}" type="datetime1">
               <a:rPr lang="en-US" smtClean="0"/>
-              <a:t>10/13/2023</a:t>
+              <a:t>10/23/2023</a:t>
             </a:fld>
             <a:endParaRPr lang="en-US"/>
           </a:p>
@@ -1078,7 +1083,7 @@
           <a:p>
             <a:fld id="{6FDD0EC2-F252-4D4B-8078-CCDA5726674C}" type="datetime1">
               <a:rPr lang="en-US" smtClean="0"/>
-              <a:t>10/13/2023</a:t>
+              <a:t>10/23/2023</a:t>
             </a:fld>
             <a:endParaRPr lang="en-US"/>
           </a:p>
@@ -1566,7 +1571,7 @@
           <a:p>
             <a:fld id="{5A9B0CAF-E46C-4B7D-8C22-2C2A4385A930}" type="datetime1">
               <a:rPr lang="en-US" smtClean="0"/>
-              <a:t>10/13/2023</a:t>
+              <a:t>10/23/2023</a:t>
             </a:fld>
             <a:endParaRPr lang="en-US"/>
           </a:p>
@@ -1935,7 +1940,7 @@
           <a:p>
             <a:fld id="{5C0B5EED-4565-4A89-BD52-7A5AEA49D550}" type="datetime1">
               <a:rPr lang="en-US" smtClean="0"/>
-              <a:t>10/13/2023</a:t>
+              <a:t>10/23/2023</a:t>
             </a:fld>
             <a:endParaRPr lang="en-US"/>
           </a:p>
@@ -2090,7 +2095,7 @@
           <a:ln/>
           <a:extLst>
             <a:ext uri="{91240B29-F687-4f45-9708-019B960494DF}">
-              <a14:hiddenLine xmlns="" xmlns:a14="http://schemas.microsoft.com/office/drawing/2010/main" w="9525">
+              <a14:hiddenLine xmlns:a14="http://schemas.microsoft.com/office/drawing/2010/main" xmlns="" w="9525">
                 <a:solidFill>
                   <a:srgbClr val="000000"/>
                 </a:solidFill>
@@ -2208,7 +2213,7 @@
           <a:p>
             <a:fld id="{38F9C167-D8EB-437D-881E-68598FE49B77}" type="datetime1">
               <a:rPr lang="en-US" smtClean="0"/>
-              <a:t>10/13/2023</a:t>
+              <a:t>10/23/2023</a:t>
             </a:fld>
             <a:endParaRPr lang="en-US"/>
           </a:p>
@@ -2365,7 +2370,7 @@
           <a:ln/>
           <a:extLst>
             <a:ext uri="{91240B29-F687-4f45-9708-019B960494DF}">
-              <a14:hiddenLine xmlns="" xmlns:a14="http://schemas.microsoft.com/office/drawing/2010/main" w="9525">
+              <a14:hiddenLine xmlns:a14="http://schemas.microsoft.com/office/drawing/2010/main" xmlns="" w="9525">
                 <a:solidFill>
                   <a:srgbClr val="000000"/>
                 </a:solidFill>
@@ -2493,7 +2498,7 @@
           <a:p>
             <a:fld id="{4A477C06-9741-4689-A8BB-DA7418EBD938}" type="datetime1">
               <a:rPr lang="en-US" smtClean="0"/>
-              <a:t>10/13/2023</a:t>
+              <a:t>10/23/2023</a:t>
             </a:fld>
             <a:endParaRPr lang="en-US"/>
           </a:p>
@@ -2648,7 +2653,7 @@
           <a:ln/>
           <a:extLst>
             <a:ext uri="{91240B29-F687-4f45-9708-019B960494DF}">
-              <a14:hiddenLine xmlns="" xmlns:a14="http://schemas.microsoft.com/office/drawing/2010/main" w="9525">
+              <a14:hiddenLine xmlns:a14="http://schemas.microsoft.com/office/drawing/2010/main" xmlns="" w="9525">
                 <a:solidFill>
                   <a:srgbClr val="000000"/>
                 </a:solidFill>
@@ -2776,7 +2781,7 @@
           <a:p>
             <a:fld id="{0A5FAF4C-7E85-4433-91D4-C9176E376578}" type="datetime1">
               <a:rPr lang="en-US" smtClean="0"/>
-              <a:t>10/13/2023</a:t>
+              <a:t>10/23/2023</a:t>
             </a:fld>
             <a:endParaRPr lang="en-US"/>
           </a:p>
@@ -3119,7 +3124,7 @@
           <a:p>
             <a:fld id="{070ADB9D-0D7F-4B34-868C-8420B42CA120}" type="datetime1">
               <a:rPr lang="en-US" smtClean="0"/>
-              <a:t>10/13/2023</a:t>
+              <a:t>10/23/2023</a:t>
             </a:fld>
             <a:endParaRPr lang="en-US"/>
           </a:p>
@@ -3274,7 +3279,7 @@
           <a:ln/>
           <a:extLst>
             <a:ext uri="{91240B29-F687-4f45-9708-019B960494DF}">
-              <a14:hiddenLine xmlns="" xmlns:a14="http://schemas.microsoft.com/office/drawing/2010/main" w="9525">
+              <a14:hiddenLine xmlns:a14="http://schemas.microsoft.com/office/drawing/2010/main" xmlns="" w="9525">
                 <a:solidFill>
                   <a:srgbClr val="000000"/>
                 </a:solidFill>
@@ -3458,7 +3463,7 @@
           <a:p>
             <a:fld id="{EDC2B1AB-8665-4158-AB9E-16A21F056BC4}" type="datetime1">
               <a:rPr lang="en-US" smtClean="0"/>
-              <a:t>10/13/2023</a:t>
+              <a:t>10/23/2023</a:t>
             </a:fld>
             <a:endParaRPr lang="en-US"/>
           </a:p>
@@ -3613,7 +3618,7 @@
           <a:ln/>
           <a:extLst>
             <a:ext uri="{91240B29-F687-4f45-9708-019B960494DF}">
-              <a14:hiddenLine xmlns="" xmlns:a14="http://schemas.microsoft.com/office/drawing/2010/main" w="9525">
+              <a14:hiddenLine xmlns:a14="http://schemas.microsoft.com/office/drawing/2010/main" xmlns="" w="9525">
                 <a:solidFill>
                   <a:srgbClr val="000000"/>
                 </a:solidFill>
@@ -3935,7 +3940,7 @@
           <a:p>
             <a:fld id="{C2FF5B08-5D4B-4799-89D4-82BA3C0D1CB5}" type="datetime1">
               <a:rPr lang="en-US" smtClean="0"/>
-              <a:t>10/13/2023</a:t>
+              <a:t>10/23/2023</a:t>
             </a:fld>
             <a:endParaRPr lang="en-US"/>
           </a:p>
@@ -4090,7 +4095,7 @@
           <a:ln/>
           <a:extLst>
             <a:ext uri="{91240B29-F687-4f45-9708-019B960494DF}">
-              <a14:hiddenLine xmlns="" xmlns:a14="http://schemas.microsoft.com/office/drawing/2010/main" w="9525">
+              <a14:hiddenLine xmlns:a14="http://schemas.microsoft.com/office/drawing/2010/main" xmlns="" w="9525">
                 <a:solidFill>
                   <a:srgbClr val="000000"/>
                 </a:solidFill>
@@ -4156,7 +4161,7 @@
           <a:p>
             <a:fld id="{043BA31F-640D-4983-B742-87A8B362B37C}" type="datetime1">
               <a:rPr lang="en-US" smtClean="0"/>
-              <a:t>10/13/2023</a:t>
+              <a:t>10/23/2023</a:t>
             </a:fld>
             <a:endParaRPr lang="en-US"/>
           </a:p>
@@ -4251,7 +4256,7 @@
           <a:p>
             <a:fld id="{FD357E0F-6EF8-444F-96C1-43EAAE09AD36}" type="datetime1">
               <a:rPr lang="en-US" smtClean="0"/>
-              <a:t>10/13/2023</a:t>
+              <a:t>10/23/2023</a:t>
             </a:fld>
             <a:endParaRPr lang="en-US"/>
           </a:p>
@@ -4519,7 +4524,7 @@
           <a:ln/>
           <a:extLst>
             <a:ext uri="{91240B29-F687-4f45-9708-019B960494DF}">
-              <a14:hiddenLine xmlns="" xmlns:a14="http://schemas.microsoft.com/office/drawing/2010/main" w="9525">
+              <a14:hiddenLine xmlns:a14="http://schemas.microsoft.com/office/drawing/2010/main" xmlns="" w="9525">
                 <a:solidFill>
                   <a:srgbClr val="000000"/>
                 </a:solidFill>
@@ -4718,7 +4723,7 @@
           <a:p>
             <a:fld id="{AE8EF11D-0AA5-45E9-9641-3385DF52E93D}" type="datetime1">
               <a:rPr lang="en-US" smtClean="0"/>
-              <a:t>10/13/2023</a:t>
+              <a:t>10/23/2023</a:t>
             </a:fld>
             <a:endParaRPr lang="en-US"/>
           </a:p>
@@ -5031,7 +5036,7 @@
           <a:p>
             <a:fld id="{8C7B53B2-5972-44EE-87C6-BEDA34CCA02D}" type="datetime1">
               <a:rPr lang="en-US" smtClean="0"/>
-              <a:t>10/13/2023</a:t>
+              <a:t>10/23/2023</a:t>
             </a:fld>
             <a:endParaRPr lang="en-US"/>
           </a:p>
@@ -5301,7 +5306,7 @@
           <a:p>
             <a:fld id="{5CE8F2EE-BA63-42C0-9BA4-BA622DF20B3E}" type="datetime1">
               <a:rPr lang="en-US" smtClean="0"/>
-              <a:t>10/13/2023</a:t>
+              <a:t>10/23/2023</a:t>
             </a:fld>
             <a:endParaRPr lang="en-US"/>
           </a:p>
@@ -7622,98 +7627,6 @@
   <p:clrMapOvr>
     <a:masterClrMapping/>
   </p:clrMapOvr>
-  <p:timing>
-    <p:tnLst>
-      <p:par>
-        <p:cTn id="1" dur="indefinite" restart="never" nodeType="tmRoot">
-          <p:childTnLst>
-            <p:seq concurrent="1" nextAc="seek">
-              <p:cTn id="2" dur="indefinite" nodeType="mainSeq">
-                <p:childTnLst>
-                  <p:par>
-                    <p:cTn id="3" fill="hold">
-                      <p:stCondLst>
-                        <p:cond delay="indefinite"/>
-                        <p:cond evt="onBegin" delay="0">
-                          <p:tn val="2"/>
-                        </p:cond>
-                      </p:stCondLst>
-                      <p:childTnLst>
-                        <p:par>
-                          <p:cTn id="4" fill="hold">
-                            <p:stCondLst>
-                              <p:cond delay="0"/>
-                            </p:stCondLst>
-                            <p:childTnLst>
-                              <p:par>
-                                <p:cTn id="5" presetID="10" presetClass="entr" presetSubtype="0" fill="hold" grpId="0" nodeType="withEffect">
-                                  <p:stCondLst>
-                                    <p:cond delay="1000"/>
-                                  </p:stCondLst>
-                                  <p:iterate>
-                                    <p:tmPct val="10000"/>
-                                  </p:iterate>
-                                  <p:childTnLst>
-                                    <p:set>
-                                      <p:cBhvr>
-                                        <p:cTn id="6" dur="1" fill="hold">
-                                          <p:stCondLst>
-                                            <p:cond delay="0"/>
-                                          </p:stCondLst>
-                                        </p:cTn>
-                                        <p:tgtEl>
-                                          <p:spTgt spid="2"/>
-                                        </p:tgtEl>
-                                        <p:attrNameLst>
-                                          <p:attrName>style.visibility</p:attrName>
-                                        </p:attrNameLst>
-                                      </p:cBhvr>
-                                      <p:to>
-                                        <p:strVal val="visible"/>
-                                      </p:to>
-                                    </p:set>
-                                    <p:animEffect transition="in" filter="fade">
-                                      <p:cBhvr>
-                                        <p:cTn id="7" dur="700"/>
-                                        <p:tgtEl>
-                                          <p:spTgt spid="2"/>
-                                        </p:tgtEl>
-                                      </p:cBhvr>
-                                    </p:animEffect>
-                                  </p:childTnLst>
-                                </p:cTn>
-                              </p:par>
-                            </p:childTnLst>
-                          </p:cTn>
-                        </p:par>
-                      </p:childTnLst>
-                    </p:cTn>
-                  </p:par>
-                </p:childTnLst>
-              </p:cTn>
-              <p:prevCondLst>
-                <p:cond evt="onPrev" delay="0">
-                  <p:tgtEl>
-                    <p:sldTgt/>
-                  </p:tgtEl>
-                </p:cond>
-              </p:prevCondLst>
-              <p:nextCondLst>
-                <p:cond evt="onNext" delay="0">
-                  <p:tgtEl>
-                    <p:sldTgt/>
-                  </p:tgtEl>
-                </p:cond>
-              </p:nextCondLst>
-            </p:seq>
-          </p:childTnLst>
-        </p:cTn>
-      </p:par>
-    </p:tnLst>
-    <p:bldLst>
-      <p:bldP spid="2" grpId="0"/>
-    </p:bldLst>
-  </p:timing>
 </p:sld>
 </file>
 

--- a/slides/Day2.pptx
+++ b/slides/Day2.pptx
@@ -211,7 +211,7 @@
           <a:p>
             <a:fld id="{05237051-8332-4A44-B7E5-FF79E87E8124}" type="datetimeFigureOut">
               <a:rPr lang="en-US" smtClean="0"/>
-              <a:t>10/23/2023</a:t>
+              <a:t>11/8/2023</a:t>
             </a:fld>
             <a:endParaRPr lang="en-US"/>
           </a:p>
@@ -478,6 +478,525 @@
 </p:notesMaster>
 </file>
 
+<file path=ppt/notesSlides/notesSlide1.xml><?xml version="1.0" encoding="utf-8"?>
+<p:notes xmlns:a="http://schemas.openxmlformats.org/drawingml/2006/main" xmlns:r="http://schemas.openxmlformats.org/officeDocument/2006/relationships" xmlns:p="http://schemas.openxmlformats.org/presentationml/2006/main">
+  <p:cSld>
+    <p:spTree>
+      <p:nvGrpSpPr>
+        <p:cNvPr id="1" name=""/>
+        <p:cNvGrpSpPr/>
+        <p:nvPr/>
+      </p:nvGrpSpPr>
+      <p:grpSpPr>
+        <a:xfrm>
+          <a:off x="0" y="0"/>
+          <a:ext cx="0" cy="0"/>
+          <a:chOff x="0" y="0"/>
+          <a:chExt cx="0" cy="0"/>
+        </a:xfrm>
+      </p:grpSpPr>
+      <p:sp>
+        <p:nvSpPr>
+          <p:cNvPr id="2" name="Slide Image Placeholder 1"/>
+          <p:cNvSpPr>
+            <a:spLocks noGrp="1" noRot="1" noChangeAspect="1"/>
+          </p:cNvSpPr>
+          <p:nvPr>
+            <p:ph type="sldImg"/>
+          </p:nvPr>
+        </p:nvSpPr>
+        <p:spPr/>
+      </p:sp>
+      <p:sp>
+        <p:nvSpPr>
+          <p:cNvPr id="3" name="Notes Placeholder 2"/>
+          <p:cNvSpPr>
+            <a:spLocks noGrp="1"/>
+          </p:cNvSpPr>
+          <p:nvPr>
+            <p:ph type="body" idx="1"/>
+          </p:nvPr>
+        </p:nvSpPr>
+        <p:spPr/>
+        <p:txBody>
+          <a:bodyPr/>
+          <a:lstStyle/>
+          <a:p>
+            <a:endParaRPr lang="en-US"/>
+          </a:p>
+        </p:txBody>
+      </p:sp>
+      <p:sp>
+        <p:nvSpPr>
+          <p:cNvPr id="4" name="Slide Number Placeholder 3"/>
+          <p:cNvSpPr>
+            <a:spLocks noGrp="1"/>
+          </p:cNvSpPr>
+          <p:nvPr>
+            <p:ph type="sldNum" sz="quarter" idx="5"/>
+          </p:nvPr>
+        </p:nvSpPr>
+        <p:spPr/>
+        <p:txBody>
+          <a:bodyPr/>
+          <a:lstStyle/>
+          <a:p>
+            <a:fld id="{4426AACE-8658-4AF7-A59D-5458F445A70D}" type="slidenum">
+              <a:rPr lang="en-US" smtClean="0"/>
+              <a:t>1</a:t>
+            </a:fld>
+            <a:endParaRPr lang="en-US"/>
+          </a:p>
+        </p:txBody>
+      </p:sp>
+    </p:spTree>
+    <p:extLst>
+      <p:ext uri="{BB962C8B-B14F-4D97-AF65-F5344CB8AC3E}">
+        <p14:creationId xmlns:p14="http://schemas.microsoft.com/office/powerpoint/2010/main" val="1043289613"/>
+      </p:ext>
+    </p:extLst>
+  </p:cSld>
+  <p:clrMapOvr>
+    <a:masterClrMapping/>
+  </p:clrMapOvr>
+</p:notes>
+</file>
+
+<file path=ppt/notesSlides/notesSlide2.xml><?xml version="1.0" encoding="utf-8"?>
+<p:notes xmlns:a="http://schemas.openxmlformats.org/drawingml/2006/main" xmlns:r="http://schemas.openxmlformats.org/officeDocument/2006/relationships" xmlns:p="http://schemas.openxmlformats.org/presentationml/2006/main">
+  <p:cSld>
+    <p:spTree>
+      <p:nvGrpSpPr>
+        <p:cNvPr id="1" name=""/>
+        <p:cNvGrpSpPr/>
+        <p:nvPr/>
+      </p:nvGrpSpPr>
+      <p:grpSpPr>
+        <a:xfrm>
+          <a:off x="0" y="0"/>
+          <a:ext cx="0" cy="0"/>
+          <a:chOff x="0" y="0"/>
+          <a:chExt cx="0" cy="0"/>
+        </a:xfrm>
+      </p:grpSpPr>
+      <p:sp>
+        <p:nvSpPr>
+          <p:cNvPr id="2" name="Slide Image Placeholder 1"/>
+          <p:cNvSpPr>
+            <a:spLocks noGrp="1" noRot="1" noChangeAspect="1"/>
+          </p:cNvSpPr>
+          <p:nvPr>
+            <p:ph type="sldImg"/>
+          </p:nvPr>
+        </p:nvSpPr>
+        <p:spPr/>
+      </p:sp>
+      <p:sp>
+        <p:nvSpPr>
+          <p:cNvPr id="3" name="Notes Placeholder 2"/>
+          <p:cNvSpPr>
+            <a:spLocks noGrp="1"/>
+          </p:cNvSpPr>
+          <p:nvPr>
+            <p:ph type="body" idx="1"/>
+          </p:nvPr>
+        </p:nvSpPr>
+        <p:spPr/>
+        <p:txBody>
+          <a:bodyPr/>
+          <a:lstStyle/>
+          <a:p>
+            <a:r>
+              <a:rPr lang="en-US" dirty="0"/>
+              <a:t>Helmholtz: perception is not a born skill</a:t>
+            </a:r>
+          </a:p>
+        </p:txBody>
+      </p:sp>
+      <p:sp>
+        <p:nvSpPr>
+          <p:cNvPr id="4" name="Slide Number Placeholder 3"/>
+          <p:cNvSpPr>
+            <a:spLocks noGrp="1"/>
+          </p:cNvSpPr>
+          <p:nvPr>
+            <p:ph type="sldNum" sz="quarter" idx="5"/>
+          </p:nvPr>
+        </p:nvSpPr>
+        <p:spPr/>
+        <p:txBody>
+          <a:bodyPr/>
+          <a:lstStyle/>
+          <a:p>
+            <a:fld id="{4426AACE-8658-4AF7-A59D-5458F445A70D}" type="slidenum">
+              <a:rPr lang="en-US" smtClean="0"/>
+              <a:t>2</a:t>
+            </a:fld>
+            <a:endParaRPr lang="en-US"/>
+          </a:p>
+        </p:txBody>
+      </p:sp>
+    </p:spTree>
+    <p:extLst>
+      <p:ext uri="{BB962C8B-B14F-4D97-AF65-F5344CB8AC3E}">
+        <p14:creationId xmlns:p14="http://schemas.microsoft.com/office/powerpoint/2010/main" val="709033504"/>
+      </p:ext>
+    </p:extLst>
+  </p:cSld>
+  <p:clrMapOvr>
+    <a:masterClrMapping/>
+  </p:clrMapOvr>
+</p:notes>
+</file>
+
+<file path=ppt/notesSlides/notesSlide3.xml><?xml version="1.0" encoding="utf-8"?>
+<p:notes xmlns:a="http://schemas.openxmlformats.org/drawingml/2006/main" xmlns:r="http://schemas.openxmlformats.org/officeDocument/2006/relationships" xmlns:p="http://schemas.openxmlformats.org/presentationml/2006/main">
+  <p:cSld>
+    <p:spTree>
+      <p:nvGrpSpPr>
+        <p:cNvPr id="1" name=""/>
+        <p:cNvGrpSpPr/>
+        <p:nvPr/>
+      </p:nvGrpSpPr>
+      <p:grpSpPr>
+        <a:xfrm>
+          <a:off x="0" y="0"/>
+          <a:ext cx="0" cy="0"/>
+          <a:chOff x="0" y="0"/>
+          <a:chExt cx="0" cy="0"/>
+        </a:xfrm>
+      </p:grpSpPr>
+      <p:sp>
+        <p:nvSpPr>
+          <p:cNvPr id="2" name="Slide Image Placeholder 1"/>
+          <p:cNvSpPr>
+            <a:spLocks noGrp="1" noRot="1" noChangeAspect="1"/>
+          </p:cNvSpPr>
+          <p:nvPr>
+            <p:ph type="sldImg"/>
+          </p:nvPr>
+        </p:nvSpPr>
+        <p:spPr/>
+      </p:sp>
+      <p:sp>
+        <p:nvSpPr>
+          <p:cNvPr id="3" name="Notes Placeholder 2"/>
+          <p:cNvSpPr>
+            <a:spLocks noGrp="1"/>
+          </p:cNvSpPr>
+          <p:nvPr>
+            <p:ph type="body" idx="1"/>
+          </p:nvPr>
+        </p:nvSpPr>
+        <p:spPr/>
+        <p:txBody>
+          <a:bodyPr/>
+          <a:lstStyle/>
+          <a:p>
+            <a:r>
+              <a:rPr lang="en-US" dirty="0"/>
+              <a:t>What do you see?</a:t>
+            </a:r>
+          </a:p>
+        </p:txBody>
+      </p:sp>
+      <p:sp>
+        <p:nvSpPr>
+          <p:cNvPr id="4" name="Slide Number Placeholder 3"/>
+          <p:cNvSpPr>
+            <a:spLocks noGrp="1"/>
+          </p:cNvSpPr>
+          <p:nvPr>
+            <p:ph type="sldNum" sz="quarter" idx="5"/>
+          </p:nvPr>
+        </p:nvSpPr>
+        <p:spPr/>
+        <p:txBody>
+          <a:bodyPr/>
+          <a:lstStyle/>
+          <a:p>
+            <a:fld id="{4426AACE-8658-4AF7-A59D-5458F445A70D}" type="slidenum">
+              <a:rPr lang="en-US" smtClean="0"/>
+              <a:t>4</a:t>
+            </a:fld>
+            <a:endParaRPr lang="en-US"/>
+          </a:p>
+        </p:txBody>
+      </p:sp>
+    </p:spTree>
+    <p:extLst>
+      <p:ext uri="{BB962C8B-B14F-4D97-AF65-F5344CB8AC3E}">
+        <p14:creationId xmlns:p14="http://schemas.microsoft.com/office/powerpoint/2010/main" val="1487354677"/>
+      </p:ext>
+    </p:extLst>
+  </p:cSld>
+  <p:clrMapOvr>
+    <a:masterClrMapping/>
+  </p:clrMapOvr>
+</p:notes>
+</file>
+
+<file path=ppt/notesSlides/notesSlide4.xml><?xml version="1.0" encoding="utf-8"?>
+<p:notes xmlns:a="http://schemas.openxmlformats.org/drawingml/2006/main" xmlns:r="http://schemas.openxmlformats.org/officeDocument/2006/relationships" xmlns:p="http://schemas.openxmlformats.org/presentationml/2006/main">
+  <p:cSld>
+    <p:spTree>
+      <p:nvGrpSpPr>
+        <p:cNvPr id="1" name=""/>
+        <p:cNvGrpSpPr/>
+        <p:nvPr/>
+      </p:nvGrpSpPr>
+      <p:grpSpPr>
+        <a:xfrm>
+          <a:off x="0" y="0"/>
+          <a:ext cx="0" cy="0"/>
+          <a:chOff x="0" y="0"/>
+          <a:chExt cx="0" cy="0"/>
+        </a:xfrm>
+      </p:grpSpPr>
+      <p:sp>
+        <p:nvSpPr>
+          <p:cNvPr id="2" name="Slide Image Placeholder 1"/>
+          <p:cNvSpPr>
+            <a:spLocks noGrp="1" noRot="1" noChangeAspect="1"/>
+          </p:cNvSpPr>
+          <p:nvPr>
+            <p:ph type="sldImg"/>
+          </p:nvPr>
+        </p:nvSpPr>
+        <p:spPr/>
+      </p:sp>
+      <p:sp>
+        <p:nvSpPr>
+          <p:cNvPr id="3" name="Notes Placeholder 2"/>
+          <p:cNvSpPr>
+            <a:spLocks noGrp="1"/>
+          </p:cNvSpPr>
+          <p:nvPr>
+            <p:ph type="body" idx="1"/>
+          </p:nvPr>
+        </p:nvSpPr>
+        <p:spPr/>
+        <p:txBody>
+          <a:bodyPr/>
+          <a:lstStyle/>
+          <a:p>
+            <a:r>
+              <a:rPr lang="en-US" dirty="0"/>
+              <a:t>Why does the brain do this?</a:t>
+            </a:r>
+          </a:p>
+        </p:txBody>
+      </p:sp>
+      <p:sp>
+        <p:nvSpPr>
+          <p:cNvPr id="4" name="Slide Number Placeholder 3"/>
+          <p:cNvSpPr>
+            <a:spLocks noGrp="1"/>
+          </p:cNvSpPr>
+          <p:nvPr>
+            <p:ph type="sldNum" sz="quarter" idx="5"/>
+          </p:nvPr>
+        </p:nvSpPr>
+        <p:spPr/>
+        <p:txBody>
+          <a:bodyPr/>
+          <a:lstStyle/>
+          <a:p>
+            <a:fld id="{4426AACE-8658-4AF7-A59D-5458F445A70D}" type="slidenum">
+              <a:rPr lang="en-US" smtClean="0"/>
+              <a:t>5</a:t>
+            </a:fld>
+            <a:endParaRPr lang="en-US"/>
+          </a:p>
+        </p:txBody>
+      </p:sp>
+    </p:spTree>
+    <p:extLst>
+      <p:ext uri="{BB962C8B-B14F-4D97-AF65-F5344CB8AC3E}">
+        <p14:creationId xmlns:p14="http://schemas.microsoft.com/office/powerpoint/2010/main" val="2709289130"/>
+      </p:ext>
+    </p:extLst>
+  </p:cSld>
+  <p:clrMapOvr>
+    <a:masterClrMapping/>
+  </p:clrMapOvr>
+</p:notes>
+</file>
+
+<file path=ppt/notesSlides/notesSlide5.xml><?xml version="1.0" encoding="utf-8"?>
+<p:notes xmlns:a="http://schemas.openxmlformats.org/drawingml/2006/main" xmlns:r="http://schemas.openxmlformats.org/officeDocument/2006/relationships" xmlns:p="http://schemas.openxmlformats.org/presentationml/2006/main">
+  <p:cSld>
+    <p:spTree>
+      <p:nvGrpSpPr>
+        <p:cNvPr id="1" name=""/>
+        <p:cNvGrpSpPr/>
+        <p:nvPr/>
+      </p:nvGrpSpPr>
+      <p:grpSpPr>
+        <a:xfrm>
+          <a:off x="0" y="0"/>
+          <a:ext cx="0" cy="0"/>
+          <a:chOff x="0" y="0"/>
+          <a:chExt cx="0" cy="0"/>
+        </a:xfrm>
+      </p:grpSpPr>
+      <p:sp>
+        <p:nvSpPr>
+          <p:cNvPr id="2" name="Slide Image Placeholder 1"/>
+          <p:cNvSpPr>
+            <a:spLocks noGrp="1" noRot="1" noChangeAspect="1"/>
+          </p:cNvSpPr>
+          <p:nvPr>
+            <p:ph type="sldImg"/>
+          </p:nvPr>
+        </p:nvSpPr>
+        <p:spPr/>
+      </p:sp>
+      <p:sp>
+        <p:nvSpPr>
+          <p:cNvPr id="3" name="Notes Placeholder 2"/>
+          <p:cNvSpPr>
+            <a:spLocks noGrp="1"/>
+          </p:cNvSpPr>
+          <p:nvPr>
+            <p:ph type="body" idx="1"/>
+          </p:nvPr>
+        </p:nvSpPr>
+        <p:spPr/>
+        <p:txBody>
+          <a:bodyPr/>
+          <a:lstStyle/>
+          <a:p>
+            <a:r>
+              <a:rPr lang="en-US" dirty="0"/>
+              <a:t>What’s nice about the predictive brain?</a:t>
+            </a:r>
+          </a:p>
+        </p:txBody>
+      </p:sp>
+      <p:sp>
+        <p:nvSpPr>
+          <p:cNvPr id="4" name="Slide Number Placeholder 3"/>
+          <p:cNvSpPr>
+            <a:spLocks noGrp="1"/>
+          </p:cNvSpPr>
+          <p:nvPr>
+            <p:ph type="sldNum" sz="quarter" idx="5"/>
+          </p:nvPr>
+        </p:nvSpPr>
+        <p:spPr/>
+        <p:txBody>
+          <a:bodyPr/>
+          <a:lstStyle/>
+          <a:p>
+            <a:fld id="{4426AACE-8658-4AF7-A59D-5458F445A70D}" type="slidenum">
+              <a:rPr lang="en-US" smtClean="0"/>
+              <a:t>8</a:t>
+            </a:fld>
+            <a:endParaRPr lang="en-US"/>
+          </a:p>
+        </p:txBody>
+      </p:sp>
+    </p:spTree>
+    <p:extLst>
+      <p:ext uri="{BB962C8B-B14F-4D97-AF65-F5344CB8AC3E}">
+        <p14:creationId xmlns:p14="http://schemas.microsoft.com/office/powerpoint/2010/main" val="3259281300"/>
+      </p:ext>
+    </p:extLst>
+  </p:cSld>
+  <p:clrMapOvr>
+    <a:masterClrMapping/>
+  </p:clrMapOvr>
+</p:notes>
+</file>
+
+<file path=ppt/notesSlides/notesSlide6.xml><?xml version="1.0" encoding="utf-8"?>
+<p:notes xmlns:a="http://schemas.openxmlformats.org/drawingml/2006/main" xmlns:r="http://schemas.openxmlformats.org/officeDocument/2006/relationships" xmlns:p="http://schemas.openxmlformats.org/presentationml/2006/main">
+  <p:cSld>
+    <p:spTree>
+      <p:nvGrpSpPr>
+        <p:cNvPr id="1" name=""/>
+        <p:cNvGrpSpPr/>
+        <p:nvPr/>
+      </p:nvGrpSpPr>
+      <p:grpSpPr>
+        <a:xfrm>
+          <a:off x="0" y="0"/>
+          <a:ext cx="0" cy="0"/>
+          <a:chOff x="0" y="0"/>
+          <a:chExt cx="0" cy="0"/>
+        </a:xfrm>
+      </p:grpSpPr>
+      <p:sp>
+        <p:nvSpPr>
+          <p:cNvPr id="2" name="Slide Image Placeholder 1"/>
+          <p:cNvSpPr>
+            <a:spLocks noGrp="1" noRot="1" noChangeAspect="1"/>
+          </p:cNvSpPr>
+          <p:nvPr>
+            <p:ph type="sldImg"/>
+          </p:nvPr>
+        </p:nvSpPr>
+        <p:spPr/>
+      </p:sp>
+      <p:sp>
+        <p:nvSpPr>
+          <p:cNvPr id="3" name="Notes Placeholder 2"/>
+          <p:cNvSpPr>
+            <a:spLocks noGrp="1"/>
+          </p:cNvSpPr>
+          <p:nvPr>
+            <p:ph type="body" idx="1"/>
+          </p:nvPr>
+        </p:nvSpPr>
+        <p:spPr/>
+        <p:txBody>
+          <a:bodyPr/>
+          <a:lstStyle/>
+          <a:p>
+            <a:r>
+              <a:rPr lang="en-US" dirty="0"/>
+              <a:t>Where do you draw the line?</a:t>
+            </a:r>
+          </a:p>
+        </p:txBody>
+      </p:sp>
+      <p:sp>
+        <p:nvSpPr>
+          <p:cNvPr id="4" name="Slide Number Placeholder 3"/>
+          <p:cNvSpPr>
+            <a:spLocks noGrp="1"/>
+          </p:cNvSpPr>
+          <p:nvPr>
+            <p:ph type="sldNum" sz="quarter" idx="5"/>
+          </p:nvPr>
+        </p:nvSpPr>
+        <p:spPr/>
+        <p:txBody>
+          <a:bodyPr/>
+          <a:lstStyle/>
+          <a:p>
+            <a:fld id="{4426AACE-8658-4AF7-A59D-5458F445A70D}" type="slidenum">
+              <a:rPr lang="en-US" smtClean="0"/>
+              <a:t>12</a:t>
+            </a:fld>
+            <a:endParaRPr lang="en-US"/>
+          </a:p>
+        </p:txBody>
+      </p:sp>
+    </p:spTree>
+    <p:extLst>
+      <p:ext uri="{BB962C8B-B14F-4D97-AF65-F5344CB8AC3E}">
+        <p14:creationId xmlns:p14="http://schemas.microsoft.com/office/powerpoint/2010/main" val="2327727795"/>
+      </p:ext>
+    </p:extLst>
+  </p:cSld>
+  <p:clrMapOvr>
+    <a:masterClrMapping/>
+  </p:clrMapOvr>
+</p:notes>
+</file>
+
 <file path=ppt/slideLayouts/slideLayout1.xml><?xml version="1.0" encoding="utf-8"?>
 <p:sldLayout xmlns:a="http://schemas.openxmlformats.org/drawingml/2006/main" xmlns:r="http://schemas.openxmlformats.org/officeDocument/2006/relationships" xmlns:p="http://schemas.openxmlformats.org/presentationml/2006/main" type="title" preserve="1">
   <p:cSld name="Title Slide">
@@ -573,7 +1092,7 @@
           <a:effectLst/>
           <a:extLst>
             <a:ext uri="{91240B29-F687-4f45-9708-019B960494DF}">
-              <a14:hiddenLine xmlns:a14="http://schemas.microsoft.com/office/drawing/2010/main" xmlns="" w="9525">
+              <a14:hiddenLine xmlns="" xmlns:a14="http://schemas.microsoft.com/office/drawing/2010/main" w="9525">
                 <a:solidFill>
                   <a:srgbClr val="000000"/>
                 </a:solidFill>
@@ -765,7 +1284,7 @@
           <a:p>
             <a:fld id="{6D62041A-534C-485A-9850-09A0E2BEF2BD}" type="datetime1">
               <a:rPr lang="en-US" smtClean="0"/>
-              <a:t>10/23/2023</a:t>
+              <a:t>11/8/2023</a:t>
             </a:fld>
             <a:endParaRPr lang="en-US"/>
           </a:p>
@@ -1083,7 +1602,7 @@
           <a:p>
             <a:fld id="{6FDD0EC2-F252-4D4B-8078-CCDA5726674C}" type="datetime1">
               <a:rPr lang="en-US" smtClean="0"/>
-              <a:t>10/23/2023</a:t>
+              <a:t>11/8/2023</a:t>
             </a:fld>
             <a:endParaRPr lang="en-US"/>
           </a:p>
@@ -1571,7 +2090,7 @@
           <a:p>
             <a:fld id="{5A9B0CAF-E46C-4B7D-8C22-2C2A4385A930}" type="datetime1">
               <a:rPr lang="en-US" smtClean="0"/>
-              <a:t>10/23/2023</a:t>
+              <a:t>11/8/2023</a:t>
             </a:fld>
             <a:endParaRPr lang="en-US"/>
           </a:p>
@@ -1940,7 +2459,7 @@
           <a:p>
             <a:fld id="{5C0B5EED-4565-4A89-BD52-7A5AEA49D550}" type="datetime1">
               <a:rPr lang="en-US" smtClean="0"/>
-              <a:t>10/23/2023</a:t>
+              <a:t>11/8/2023</a:t>
             </a:fld>
             <a:endParaRPr lang="en-US"/>
           </a:p>
@@ -2095,7 +2614,7 @@
           <a:ln/>
           <a:extLst>
             <a:ext uri="{91240B29-F687-4f45-9708-019B960494DF}">
-              <a14:hiddenLine xmlns:a14="http://schemas.microsoft.com/office/drawing/2010/main" xmlns="" w="9525">
+              <a14:hiddenLine xmlns="" xmlns:a14="http://schemas.microsoft.com/office/drawing/2010/main" w="9525">
                 <a:solidFill>
                   <a:srgbClr val="000000"/>
                 </a:solidFill>
@@ -2213,7 +2732,7 @@
           <a:p>
             <a:fld id="{38F9C167-D8EB-437D-881E-68598FE49B77}" type="datetime1">
               <a:rPr lang="en-US" smtClean="0"/>
-              <a:t>10/23/2023</a:t>
+              <a:t>11/8/2023</a:t>
             </a:fld>
             <a:endParaRPr lang="en-US"/>
           </a:p>
@@ -2370,7 +2889,7 @@
           <a:ln/>
           <a:extLst>
             <a:ext uri="{91240B29-F687-4f45-9708-019B960494DF}">
-              <a14:hiddenLine xmlns:a14="http://schemas.microsoft.com/office/drawing/2010/main" xmlns="" w="9525">
+              <a14:hiddenLine xmlns="" xmlns:a14="http://schemas.microsoft.com/office/drawing/2010/main" w="9525">
                 <a:solidFill>
                   <a:srgbClr val="000000"/>
                 </a:solidFill>
@@ -2498,7 +3017,7 @@
           <a:p>
             <a:fld id="{4A477C06-9741-4689-A8BB-DA7418EBD938}" type="datetime1">
               <a:rPr lang="en-US" smtClean="0"/>
-              <a:t>10/23/2023</a:t>
+              <a:t>11/8/2023</a:t>
             </a:fld>
             <a:endParaRPr lang="en-US"/>
           </a:p>
@@ -2653,7 +3172,7 @@
           <a:ln/>
           <a:extLst>
             <a:ext uri="{91240B29-F687-4f45-9708-019B960494DF}">
-              <a14:hiddenLine xmlns:a14="http://schemas.microsoft.com/office/drawing/2010/main" xmlns="" w="9525">
+              <a14:hiddenLine xmlns="" xmlns:a14="http://schemas.microsoft.com/office/drawing/2010/main" w="9525">
                 <a:solidFill>
                   <a:srgbClr val="000000"/>
                 </a:solidFill>
@@ -2781,7 +3300,7 @@
           <a:p>
             <a:fld id="{0A5FAF4C-7E85-4433-91D4-C9176E376578}" type="datetime1">
               <a:rPr lang="en-US" smtClean="0"/>
-              <a:t>10/23/2023</a:t>
+              <a:t>11/8/2023</a:t>
             </a:fld>
             <a:endParaRPr lang="en-US"/>
           </a:p>
@@ -3124,7 +3643,7 @@
           <a:p>
             <a:fld id="{070ADB9D-0D7F-4B34-868C-8420B42CA120}" type="datetime1">
               <a:rPr lang="en-US" smtClean="0"/>
-              <a:t>10/23/2023</a:t>
+              <a:t>11/8/2023</a:t>
             </a:fld>
             <a:endParaRPr lang="en-US"/>
           </a:p>
@@ -3279,7 +3798,7 @@
           <a:ln/>
           <a:extLst>
             <a:ext uri="{91240B29-F687-4f45-9708-019B960494DF}">
-              <a14:hiddenLine xmlns:a14="http://schemas.microsoft.com/office/drawing/2010/main" xmlns="" w="9525">
+              <a14:hiddenLine xmlns="" xmlns:a14="http://schemas.microsoft.com/office/drawing/2010/main" w="9525">
                 <a:solidFill>
                   <a:srgbClr val="000000"/>
                 </a:solidFill>
@@ -3463,7 +3982,7 @@
           <a:p>
             <a:fld id="{EDC2B1AB-8665-4158-AB9E-16A21F056BC4}" type="datetime1">
               <a:rPr lang="en-US" smtClean="0"/>
-              <a:t>10/23/2023</a:t>
+              <a:t>11/8/2023</a:t>
             </a:fld>
             <a:endParaRPr lang="en-US"/>
           </a:p>
@@ -3618,7 +4137,7 @@
           <a:ln/>
           <a:extLst>
             <a:ext uri="{91240B29-F687-4f45-9708-019B960494DF}">
-              <a14:hiddenLine xmlns:a14="http://schemas.microsoft.com/office/drawing/2010/main" xmlns="" w="9525">
+              <a14:hiddenLine xmlns="" xmlns:a14="http://schemas.microsoft.com/office/drawing/2010/main" w="9525">
                 <a:solidFill>
                   <a:srgbClr val="000000"/>
                 </a:solidFill>
@@ -3940,7 +4459,7 @@
           <a:p>
             <a:fld id="{C2FF5B08-5D4B-4799-89D4-82BA3C0D1CB5}" type="datetime1">
               <a:rPr lang="en-US" smtClean="0"/>
-              <a:t>10/23/2023</a:t>
+              <a:t>11/8/2023</a:t>
             </a:fld>
             <a:endParaRPr lang="en-US"/>
           </a:p>
@@ -4095,7 +4614,7 @@
           <a:ln/>
           <a:extLst>
             <a:ext uri="{91240B29-F687-4f45-9708-019B960494DF}">
-              <a14:hiddenLine xmlns:a14="http://schemas.microsoft.com/office/drawing/2010/main" xmlns="" w="9525">
+              <a14:hiddenLine xmlns="" xmlns:a14="http://schemas.microsoft.com/office/drawing/2010/main" w="9525">
                 <a:solidFill>
                   <a:srgbClr val="000000"/>
                 </a:solidFill>
@@ -4161,7 +4680,7 @@
           <a:p>
             <a:fld id="{043BA31F-640D-4983-B742-87A8B362B37C}" type="datetime1">
               <a:rPr lang="en-US" smtClean="0"/>
-              <a:t>10/23/2023</a:t>
+              <a:t>11/8/2023</a:t>
             </a:fld>
             <a:endParaRPr lang="en-US"/>
           </a:p>
@@ -4256,7 +4775,7 @@
           <a:p>
             <a:fld id="{FD357E0F-6EF8-444F-96C1-43EAAE09AD36}" type="datetime1">
               <a:rPr lang="en-US" smtClean="0"/>
-              <a:t>10/23/2023</a:t>
+              <a:t>11/8/2023</a:t>
             </a:fld>
             <a:endParaRPr lang="en-US"/>
           </a:p>
@@ -4524,7 +5043,7 @@
           <a:ln/>
           <a:extLst>
             <a:ext uri="{91240B29-F687-4f45-9708-019B960494DF}">
-              <a14:hiddenLine xmlns:a14="http://schemas.microsoft.com/office/drawing/2010/main" xmlns="" w="9525">
+              <a14:hiddenLine xmlns="" xmlns:a14="http://schemas.microsoft.com/office/drawing/2010/main" w="9525">
                 <a:solidFill>
                   <a:srgbClr val="000000"/>
                 </a:solidFill>
@@ -4723,7 +5242,7 @@
           <a:p>
             <a:fld id="{AE8EF11D-0AA5-45E9-9641-3385DF52E93D}" type="datetime1">
               <a:rPr lang="en-US" smtClean="0"/>
-              <a:t>10/23/2023</a:t>
+              <a:t>11/8/2023</a:t>
             </a:fld>
             <a:endParaRPr lang="en-US"/>
           </a:p>
@@ -5036,7 +5555,7 @@
           <a:p>
             <a:fld id="{8C7B53B2-5972-44EE-87C6-BEDA34CCA02D}" type="datetime1">
               <a:rPr lang="en-US" smtClean="0"/>
-              <a:t>10/23/2023</a:t>
+              <a:t>11/8/2023</a:t>
             </a:fld>
             <a:endParaRPr lang="en-US"/>
           </a:p>
@@ -5306,7 +5825,7 @@
           <a:p>
             <a:fld id="{5CE8F2EE-BA63-42C0-9BA4-BA622DF20B3E}" type="datetime1">
               <a:rPr lang="en-US" smtClean="0"/>
-              <a:t>10/23/2023</a:t>
+              <a:t>11/8/2023</a:t>
             </a:fld>
             <a:endParaRPr lang="en-US"/>
           </a:p>
@@ -6809,6 +7328,266 @@
   <p:clrMapOvr>
     <a:masterClrMapping/>
   </p:clrMapOvr>
+  <p:timing>
+    <p:tnLst>
+      <p:par>
+        <p:cTn id="1" dur="indefinite" restart="never" nodeType="tmRoot">
+          <p:childTnLst>
+            <p:seq concurrent="1" nextAc="seek">
+              <p:cTn id="2" dur="indefinite" nodeType="mainSeq">
+                <p:childTnLst>
+                  <p:par>
+                    <p:cTn id="3" fill="hold">
+                      <p:stCondLst>
+                        <p:cond delay="indefinite"/>
+                      </p:stCondLst>
+                      <p:childTnLst>
+                        <p:par>
+                          <p:cTn id="4" fill="hold">
+                            <p:stCondLst>
+                              <p:cond delay="0"/>
+                            </p:stCondLst>
+                            <p:childTnLst>
+                              <p:par>
+                                <p:cTn id="5" presetID="1" presetClass="entr" presetSubtype="0" fill="hold" grpId="0" nodeType="clickEffect">
+                                  <p:stCondLst>
+                                    <p:cond delay="0"/>
+                                  </p:stCondLst>
+                                  <p:childTnLst>
+                                    <p:set>
+                                      <p:cBhvr>
+                                        <p:cTn id="6" dur="1" fill="hold">
+                                          <p:stCondLst>
+                                            <p:cond delay="0"/>
+                                          </p:stCondLst>
+                                        </p:cTn>
+                                        <p:tgtEl>
+                                          <p:spTgt spid="3">
+                                            <p:txEl>
+                                              <p:pRg st="1" end="1"/>
+                                            </p:txEl>
+                                          </p:spTgt>
+                                        </p:tgtEl>
+                                        <p:attrNameLst>
+                                          <p:attrName>style.visibility</p:attrName>
+                                        </p:attrNameLst>
+                                      </p:cBhvr>
+                                      <p:to>
+                                        <p:strVal val="visible"/>
+                                      </p:to>
+                                    </p:set>
+                                  </p:childTnLst>
+                                </p:cTn>
+                              </p:par>
+                            </p:childTnLst>
+                          </p:cTn>
+                        </p:par>
+                      </p:childTnLst>
+                    </p:cTn>
+                  </p:par>
+                  <p:par>
+                    <p:cTn id="7" fill="hold">
+                      <p:stCondLst>
+                        <p:cond delay="indefinite"/>
+                      </p:stCondLst>
+                      <p:childTnLst>
+                        <p:par>
+                          <p:cTn id="8" fill="hold">
+                            <p:stCondLst>
+                              <p:cond delay="0"/>
+                            </p:stCondLst>
+                            <p:childTnLst>
+                              <p:par>
+                                <p:cTn id="9" presetID="1" presetClass="entr" presetSubtype="0" fill="hold" nodeType="clickEffect">
+                                  <p:stCondLst>
+                                    <p:cond delay="0"/>
+                                  </p:stCondLst>
+                                  <p:childTnLst>
+                                    <p:set>
+                                      <p:cBhvr>
+                                        <p:cTn id="10" dur="1" fill="hold">
+                                          <p:stCondLst>
+                                            <p:cond delay="0"/>
+                                          </p:stCondLst>
+                                        </p:cTn>
+                                        <p:tgtEl>
+                                          <p:spTgt spid="3">
+                                            <p:txEl>
+                                              <p:pRg st="2" end="2"/>
+                                            </p:txEl>
+                                          </p:spTgt>
+                                        </p:tgtEl>
+                                        <p:attrNameLst>
+                                          <p:attrName>style.visibility</p:attrName>
+                                        </p:attrNameLst>
+                                      </p:cBhvr>
+                                      <p:to>
+                                        <p:strVal val="visible"/>
+                                      </p:to>
+                                    </p:set>
+                                  </p:childTnLst>
+                                </p:cTn>
+                              </p:par>
+                            </p:childTnLst>
+                          </p:cTn>
+                        </p:par>
+                      </p:childTnLst>
+                    </p:cTn>
+                  </p:par>
+                  <p:par>
+                    <p:cTn id="11" fill="hold">
+                      <p:stCondLst>
+                        <p:cond delay="indefinite"/>
+                      </p:stCondLst>
+                      <p:childTnLst>
+                        <p:par>
+                          <p:cTn id="12" fill="hold">
+                            <p:stCondLst>
+                              <p:cond delay="0"/>
+                            </p:stCondLst>
+                            <p:childTnLst>
+                              <p:par>
+                                <p:cTn id="13" presetID="1" presetClass="entr" presetSubtype="0" fill="hold" nodeType="clickEffect">
+                                  <p:stCondLst>
+                                    <p:cond delay="0"/>
+                                  </p:stCondLst>
+                                  <p:childTnLst>
+                                    <p:set>
+                                      <p:cBhvr>
+                                        <p:cTn id="14" dur="1" fill="hold">
+                                          <p:stCondLst>
+                                            <p:cond delay="0"/>
+                                          </p:stCondLst>
+                                        </p:cTn>
+                                        <p:tgtEl>
+                                          <p:spTgt spid="3">
+                                            <p:txEl>
+                                              <p:pRg st="4" end="4"/>
+                                            </p:txEl>
+                                          </p:spTgt>
+                                        </p:tgtEl>
+                                        <p:attrNameLst>
+                                          <p:attrName>style.visibility</p:attrName>
+                                        </p:attrNameLst>
+                                      </p:cBhvr>
+                                      <p:to>
+                                        <p:strVal val="visible"/>
+                                      </p:to>
+                                    </p:set>
+                                  </p:childTnLst>
+                                </p:cTn>
+                              </p:par>
+                            </p:childTnLst>
+                          </p:cTn>
+                        </p:par>
+                      </p:childTnLst>
+                    </p:cTn>
+                  </p:par>
+                  <p:par>
+                    <p:cTn id="15" fill="hold">
+                      <p:stCondLst>
+                        <p:cond delay="indefinite"/>
+                      </p:stCondLst>
+                      <p:childTnLst>
+                        <p:par>
+                          <p:cTn id="16" fill="hold">
+                            <p:stCondLst>
+                              <p:cond delay="0"/>
+                            </p:stCondLst>
+                            <p:childTnLst>
+                              <p:par>
+                                <p:cTn id="17" presetID="1" presetClass="entr" presetSubtype="0" fill="hold" nodeType="clickEffect">
+                                  <p:stCondLst>
+                                    <p:cond delay="0"/>
+                                  </p:stCondLst>
+                                  <p:childTnLst>
+                                    <p:set>
+                                      <p:cBhvr>
+                                        <p:cTn id="18" dur="1" fill="hold">
+                                          <p:stCondLst>
+                                            <p:cond delay="0"/>
+                                          </p:stCondLst>
+                                        </p:cTn>
+                                        <p:tgtEl>
+                                          <p:spTgt spid="3">
+                                            <p:txEl>
+                                              <p:pRg st="5" end="5"/>
+                                            </p:txEl>
+                                          </p:spTgt>
+                                        </p:tgtEl>
+                                        <p:attrNameLst>
+                                          <p:attrName>style.visibility</p:attrName>
+                                        </p:attrNameLst>
+                                      </p:cBhvr>
+                                      <p:to>
+                                        <p:strVal val="visible"/>
+                                      </p:to>
+                                    </p:set>
+                                  </p:childTnLst>
+                                </p:cTn>
+                              </p:par>
+                              <p:par>
+                                <p:cTn id="19" presetID="1" presetClass="entr" presetSubtype="0" fill="hold" nodeType="withEffect">
+                                  <p:stCondLst>
+                                    <p:cond delay="0"/>
+                                  </p:stCondLst>
+                                  <p:childTnLst>
+                                    <p:set>
+                                      <p:cBhvr>
+                                        <p:cTn id="20" dur="1" fill="hold">
+                                          <p:stCondLst>
+                                            <p:cond delay="0"/>
+                                          </p:stCondLst>
+                                        </p:cTn>
+                                        <p:tgtEl>
+                                          <p:spTgt spid="3">
+                                            <p:txEl>
+                                              <p:pRg st="6" end="6"/>
+                                            </p:txEl>
+                                          </p:spTgt>
+                                        </p:tgtEl>
+                                        <p:attrNameLst>
+                                          <p:attrName>style.visibility</p:attrName>
+                                        </p:attrNameLst>
+                                      </p:cBhvr>
+                                      <p:to>
+                                        <p:strVal val="visible"/>
+                                      </p:to>
+                                    </p:set>
+                                  </p:childTnLst>
+                                </p:cTn>
+                              </p:par>
+                            </p:childTnLst>
+                          </p:cTn>
+                        </p:par>
+                      </p:childTnLst>
+                    </p:cTn>
+                  </p:par>
+                </p:childTnLst>
+              </p:cTn>
+              <p:prevCondLst>
+                <p:cond evt="onPrev" delay="0">
+                  <p:tgtEl>
+                    <p:sldTgt/>
+                  </p:tgtEl>
+                </p:cond>
+              </p:prevCondLst>
+              <p:nextCondLst>
+                <p:cond evt="onNext" delay="0">
+                  <p:tgtEl>
+                    <p:sldTgt/>
+                  </p:tgtEl>
+                </p:cond>
+              </p:nextCondLst>
+            </p:seq>
+          </p:childTnLst>
+        </p:cTn>
+      </p:par>
+    </p:tnLst>
+    <p:bldLst>
+      <p:bldP spid="3" grpId="0" uiExpand="1" build="p"/>
+    </p:bldLst>
+  </p:timing>
 </p:sld>
 </file>
 
@@ -7155,7 +7934,7 @@
         </p:spPr>
         <p:txBody>
           <a:bodyPr>
-            <a:normAutofit fontScale="92500" lnSpcReduction="10000"/>
+            <a:noAutofit/>
           </a:bodyPr>
           <a:lstStyle/>
           <a:p>
@@ -7171,7 +7950,7 @@
           <a:p>
             <a:pPr lvl="1"/>
             <a:r>
-              <a:rPr lang="en-US" sz="2200" dirty="0">
+              <a:rPr lang="en-US" sz="2400" dirty="0">
                 <a:solidFill>
                   <a:srgbClr val="FFFFFF"/>
                 </a:solidFill>
@@ -7355,6 +8134,183 @@
   <p:clrMapOvr>
     <a:overrideClrMapping bg1="lt1" tx1="dk1" bg2="lt2" tx2="dk2" accent1="accent1" accent2="accent2" accent3="accent3" accent4="accent4" accent5="accent5" accent6="accent6" hlink="hlink" folHlink="folHlink"/>
   </p:clrMapOvr>
+  <p:timing>
+    <p:tnLst>
+      <p:par>
+        <p:cTn id="1" dur="indefinite" restart="never" nodeType="tmRoot">
+          <p:childTnLst>
+            <p:seq concurrent="1" nextAc="seek">
+              <p:cTn id="2" dur="indefinite" nodeType="mainSeq">
+                <p:childTnLst>
+                  <p:par>
+                    <p:cTn id="3" fill="hold">
+                      <p:stCondLst>
+                        <p:cond delay="indefinite"/>
+                      </p:stCondLst>
+                      <p:childTnLst>
+                        <p:par>
+                          <p:cTn id="4" fill="hold">
+                            <p:stCondLst>
+                              <p:cond delay="0"/>
+                            </p:stCondLst>
+                            <p:childTnLst>
+                              <p:par>
+                                <p:cTn id="5" presetID="1" presetClass="entr" presetSubtype="0" fill="hold" nodeType="clickEffect">
+                                  <p:stCondLst>
+                                    <p:cond delay="0"/>
+                                  </p:stCondLst>
+                                  <p:childTnLst>
+                                    <p:set>
+                                      <p:cBhvr>
+                                        <p:cTn id="6" dur="1" fill="hold">
+                                          <p:stCondLst>
+                                            <p:cond delay="0"/>
+                                          </p:stCondLst>
+                                        </p:cTn>
+                                        <p:tgtEl>
+                                          <p:spTgt spid="1030">
+                                            <p:txEl>
+                                              <p:pRg st="0" end="0"/>
+                                            </p:txEl>
+                                          </p:spTgt>
+                                        </p:tgtEl>
+                                        <p:attrNameLst>
+                                          <p:attrName>style.visibility</p:attrName>
+                                        </p:attrNameLst>
+                                      </p:cBhvr>
+                                      <p:to>
+                                        <p:strVal val="visible"/>
+                                      </p:to>
+                                    </p:set>
+                                  </p:childTnLst>
+                                </p:cTn>
+                              </p:par>
+                            </p:childTnLst>
+                          </p:cTn>
+                        </p:par>
+                      </p:childTnLst>
+                    </p:cTn>
+                  </p:par>
+                  <p:par>
+                    <p:cTn id="7" fill="hold">
+                      <p:stCondLst>
+                        <p:cond delay="indefinite"/>
+                      </p:stCondLst>
+                      <p:childTnLst>
+                        <p:par>
+                          <p:cTn id="8" fill="hold">
+                            <p:stCondLst>
+                              <p:cond delay="0"/>
+                            </p:stCondLst>
+                            <p:childTnLst>
+                              <p:par>
+                                <p:cTn id="9" presetID="1" presetClass="entr" presetSubtype="0" fill="hold" nodeType="clickEffect">
+                                  <p:stCondLst>
+                                    <p:cond delay="0"/>
+                                  </p:stCondLst>
+                                  <p:childTnLst>
+                                    <p:set>
+                                      <p:cBhvr>
+                                        <p:cTn id="10" dur="1" fill="hold">
+                                          <p:stCondLst>
+                                            <p:cond delay="0"/>
+                                          </p:stCondLst>
+                                        </p:cTn>
+                                        <p:tgtEl>
+                                          <p:spTgt spid="1030">
+                                            <p:txEl>
+                                              <p:pRg st="1" end="1"/>
+                                            </p:txEl>
+                                          </p:spTgt>
+                                        </p:tgtEl>
+                                        <p:attrNameLst>
+                                          <p:attrName>style.visibility</p:attrName>
+                                        </p:attrNameLst>
+                                      </p:cBhvr>
+                                      <p:to>
+                                        <p:strVal val="visible"/>
+                                      </p:to>
+                                    </p:set>
+                                  </p:childTnLst>
+                                </p:cTn>
+                              </p:par>
+                            </p:childTnLst>
+                          </p:cTn>
+                        </p:par>
+                      </p:childTnLst>
+                    </p:cTn>
+                  </p:par>
+                  <p:par>
+                    <p:cTn id="11" fill="hold">
+                      <p:stCondLst>
+                        <p:cond delay="indefinite"/>
+                      </p:stCondLst>
+                      <p:childTnLst>
+                        <p:par>
+                          <p:cTn id="12" fill="hold">
+                            <p:stCondLst>
+                              <p:cond delay="0"/>
+                            </p:stCondLst>
+                            <p:childTnLst>
+                              <p:par>
+                                <p:cTn id="13" presetID="1" presetClass="entr" presetSubtype="0" fill="hold" nodeType="clickEffect">
+                                  <p:stCondLst>
+                                    <p:cond delay="0"/>
+                                  </p:stCondLst>
+                                  <p:childTnLst>
+                                    <p:set>
+                                      <p:cBhvr>
+                                        <p:cTn id="14" dur="1" fill="hold">
+                                          <p:stCondLst>
+                                            <p:cond delay="0"/>
+                                          </p:stCondLst>
+                                        </p:cTn>
+                                        <p:tgtEl>
+                                          <p:spTgt spid="1030">
+                                            <p:txEl>
+                                              <p:pRg st="3" end="3"/>
+                                            </p:txEl>
+                                          </p:spTgt>
+                                        </p:tgtEl>
+                                        <p:attrNameLst>
+                                          <p:attrName>style.visibility</p:attrName>
+                                        </p:attrNameLst>
+                                      </p:cBhvr>
+                                      <p:to>
+                                        <p:strVal val="visible"/>
+                                      </p:to>
+                                    </p:set>
+                                  </p:childTnLst>
+                                </p:cTn>
+                              </p:par>
+                            </p:childTnLst>
+                          </p:cTn>
+                        </p:par>
+                      </p:childTnLst>
+                    </p:cTn>
+                  </p:par>
+                </p:childTnLst>
+              </p:cTn>
+              <p:prevCondLst>
+                <p:cond evt="onPrev" delay="0">
+                  <p:tgtEl>
+                    <p:sldTgt/>
+                  </p:tgtEl>
+                </p:cond>
+              </p:prevCondLst>
+              <p:nextCondLst>
+                <p:cond evt="onNext" delay="0">
+                  <p:tgtEl>
+                    <p:sldTgt/>
+                  </p:tgtEl>
+                </p:cond>
+              </p:nextCondLst>
+            </p:seq>
+          </p:childTnLst>
+        </p:cTn>
+      </p:par>
+    </p:tnLst>
+  </p:timing>
 </p:sld>
 </file>
 
@@ -7522,7 +8478,7 @@
           <p:nvPr/>
         </p:nvPicPr>
         <p:blipFill rotWithShape="1">
-          <a:blip r:embed="rId2"/>
+          <a:blip r:embed="rId3"/>
           <a:srcRect t="19487" r="-1" b="18816"/>
           <a:stretch/>
         </p:blipFill>
@@ -7595,7 +8551,7 @@
           <p:nvPr/>
         </p:nvPicPr>
         <p:blipFill rotWithShape="1">
-          <a:blip r:embed="rId3"/>
+          <a:blip r:embed="rId4"/>
           <a:srcRect t="19893" r="2" b="20174"/>
           <a:stretch/>
         </p:blipFill>
@@ -7627,6 +8583,286 @@
   <p:clrMapOvr>
     <a:masterClrMapping/>
   </p:clrMapOvr>
+  <p:timing>
+    <p:tnLst>
+      <p:par>
+        <p:cTn id="1" dur="indefinite" restart="never" nodeType="tmRoot">
+          <p:childTnLst>
+            <p:seq concurrent="1" nextAc="seek">
+              <p:cTn id="2" dur="indefinite" nodeType="mainSeq">
+                <p:childTnLst>
+                  <p:par>
+                    <p:cTn id="3" fill="hold">
+                      <p:stCondLst>
+                        <p:cond delay="indefinite"/>
+                      </p:stCondLst>
+                      <p:childTnLst>
+                        <p:par>
+                          <p:cTn id="4" fill="hold">
+                            <p:stCondLst>
+                              <p:cond delay="0"/>
+                            </p:stCondLst>
+                            <p:childTnLst>
+                              <p:par>
+                                <p:cTn id="5" presetID="1" presetClass="entr" presetSubtype="0" fill="hold" nodeType="clickEffect">
+                                  <p:stCondLst>
+                                    <p:cond delay="0"/>
+                                  </p:stCondLst>
+                                  <p:childTnLst>
+                                    <p:set>
+                                      <p:cBhvr>
+                                        <p:cTn id="6" dur="1" fill="hold">
+                                          <p:stCondLst>
+                                            <p:cond delay="0"/>
+                                          </p:stCondLst>
+                                        </p:cTn>
+                                        <p:tgtEl>
+                                          <p:spTgt spid="5"/>
+                                        </p:tgtEl>
+                                        <p:attrNameLst>
+                                          <p:attrName>style.visibility</p:attrName>
+                                        </p:attrNameLst>
+                                      </p:cBhvr>
+                                      <p:to>
+                                        <p:strVal val="visible"/>
+                                      </p:to>
+                                    </p:set>
+                                  </p:childTnLst>
+                                </p:cTn>
+                              </p:par>
+                              <p:par>
+                                <p:cTn id="7" presetID="1" presetClass="entr" presetSubtype="0" fill="hold" nodeType="withEffect">
+                                  <p:stCondLst>
+                                    <p:cond delay="0"/>
+                                  </p:stCondLst>
+                                  <p:childTnLst>
+                                    <p:set>
+                                      <p:cBhvr>
+                                        <p:cTn id="8" dur="1" fill="hold">
+                                          <p:stCondLst>
+                                            <p:cond delay="0"/>
+                                          </p:stCondLst>
+                                        </p:cTn>
+                                        <p:tgtEl>
+                                          <p:spTgt spid="7"/>
+                                        </p:tgtEl>
+                                        <p:attrNameLst>
+                                          <p:attrName>style.visibility</p:attrName>
+                                        </p:attrNameLst>
+                                      </p:cBhvr>
+                                      <p:to>
+                                        <p:strVal val="visible"/>
+                                      </p:to>
+                                    </p:set>
+                                  </p:childTnLst>
+                                </p:cTn>
+                              </p:par>
+                            </p:childTnLst>
+                          </p:cTn>
+                        </p:par>
+                      </p:childTnLst>
+                    </p:cTn>
+                  </p:par>
+                  <p:par>
+                    <p:cTn id="9" fill="hold">
+                      <p:stCondLst>
+                        <p:cond delay="indefinite"/>
+                      </p:stCondLst>
+                      <p:childTnLst>
+                        <p:par>
+                          <p:cTn id="10" fill="hold">
+                            <p:stCondLst>
+                              <p:cond delay="0"/>
+                            </p:stCondLst>
+                            <p:childTnLst>
+                              <p:par>
+                                <p:cTn id="11" presetID="1" presetClass="entr" presetSubtype="0" fill="hold" nodeType="clickEffect">
+                                  <p:stCondLst>
+                                    <p:cond delay="0"/>
+                                  </p:stCondLst>
+                                  <p:childTnLst>
+                                    <p:set>
+                                      <p:cBhvr>
+                                        <p:cTn id="12" dur="1" fill="hold">
+                                          <p:stCondLst>
+                                            <p:cond delay="0"/>
+                                          </p:stCondLst>
+                                        </p:cTn>
+                                        <p:tgtEl>
+                                          <p:spTgt spid="3">
+                                            <p:txEl>
+                                              <p:pRg st="0" end="0"/>
+                                            </p:txEl>
+                                          </p:spTgt>
+                                        </p:tgtEl>
+                                        <p:attrNameLst>
+                                          <p:attrName>style.visibility</p:attrName>
+                                        </p:attrNameLst>
+                                      </p:cBhvr>
+                                      <p:to>
+                                        <p:strVal val="visible"/>
+                                      </p:to>
+                                    </p:set>
+                                  </p:childTnLst>
+                                </p:cTn>
+                              </p:par>
+                            </p:childTnLst>
+                          </p:cTn>
+                        </p:par>
+                      </p:childTnLst>
+                    </p:cTn>
+                  </p:par>
+                  <p:par>
+                    <p:cTn id="13" fill="hold">
+                      <p:stCondLst>
+                        <p:cond delay="indefinite"/>
+                      </p:stCondLst>
+                      <p:childTnLst>
+                        <p:par>
+                          <p:cTn id="14" fill="hold">
+                            <p:stCondLst>
+                              <p:cond delay="0"/>
+                            </p:stCondLst>
+                            <p:childTnLst>
+                              <p:par>
+                                <p:cTn id="15" presetID="1" presetClass="entr" presetSubtype="0" fill="hold" nodeType="clickEffect">
+                                  <p:stCondLst>
+                                    <p:cond delay="0"/>
+                                  </p:stCondLst>
+                                  <p:childTnLst>
+                                    <p:set>
+                                      <p:cBhvr>
+                                        <p:cTn id="16" dur="1" fill="hold">
+                                          <p:stCondLst>
+                                            <p:cond delay="0"/>
+                                          </p:stCondLst>
+                                        </p:cTn>
+                                        <p:tgtEl>
+                                          <p:spTgt spid="3">
+                                            <p:txEl>
+                                              <p:pRg st="2" end="2"/>
+                                            </p:txEl>
+                                          </p:spTgt>
+                                        </p:tgtEl>
+                                        <p:attrNameLst>
+                                          <p:attrName>style.visibility</p:attrName>
+                                        </p:attrNameLst>
+                                      </p:cBhvr>
+                                      <p:to>
+                                        <p:strVal val="visible"/>
+                                      </p:to>
+                                    </p:set>
+                                  </p:childTnLst>
+                                </p:cTn>
+                              </p:par>
+                              <p:par>
+                                <p:cTn id="17" presetID="1" presetClass="entr" presetSubtype="0" fill="hold" nodeType="withEffect">
+                                  <p:stCondLst>
+                                    <p:cond delay="0"/>
+                                  </p:stCondLst>
+                                  <p:childTnLst>
+                                    <p:set>
+                                      <p:cBhvr>
+                                        <p:cTn id="18" dur="1" fill="hold">
+                                          <p:stCondLst>
+                                            <p:cond delay="0"/>
+                                          </p:stCondLst>
+                                        </p:cTn>
+                                        <p:tgtEl>
+                                          <p:spTgt spid="3">
+                                            <p:txEl>
+                                              <p:pRg st="3" end="3"/>
+                                            </p:txEl>
+                                          </p:spTgt>
+                                        </p:tgtEl>
+                                        <p:attrNameLst>
+                                          <p:attrName>style.visibility</p:attrName>
+                                        </p:attrNameLst>
+                                      </p:cBhvr>
+                                      <p:to>
+                                        <p:strVal val="visible"/>
+                                      </p:to>
+                                    </p:set>
+                                  </p:childTnLst>
+                                </p:cTn>
+                              </p:par>
+                            </p:childTnLst>
+                          </p:cTn>
+                        </p:par>
+                      </p:childTnLst>
+                    </p:cTn>
+                  </p:par>
+                  <p:par>
+                    <p:cTn id="19" fill="hold">
+                      <p:stCondLst>
+                        <p:cond delay="indefinite"/>
+                      </p:stCondLst>
+                      <p:childTnLst>
+                        <p:par>
+                          <p:cTn id="20" fill="hold">
+                            <p:stCondLst>
+                              <p:cond delay="0"/>
+                            </p:stCondLst>
+                            <p:childTnLst>
+                              <p:par>
+                                <p:cTn id="21" presetID="1" presetClass="entr" presetSubtype="0" fill="hold" nodeType="clickEffect">
+                                  <p:stCondLst>
+                                    <p:cond delay="0"/>
+                                  </p:stCondLst>
+                                  <p:childTnLst>
+                                    <p:set>
+                                      <p:cBhvr>
+                                        <p:cTn id="22" dur="1" fill="hold">
+                                          <p:stCondLst>
+                                            <p:cond delay="0"/>
+                                          </p:stCondLst>
+                                        </p:cTn>
+                                        <p:tgtEl>
+                                          <p:spTgt spid="3">
+                                            <p:txEl>
+                                              <p:pRg st="5" end="5"/>
+                                            </p:txEl>
+                                          </p:spTgt>
+                                        </p:tgtEl>
+                                        <p:attrNameLst>
+                                          <p:attrName>style.visibility</p:attrName>
+                                        </p:attrNameLst>
+                                      </p:cBhvr>
+                                      <p:to>
+                                        <p:strVal val="visible"/>
+                                      </p:to>
+                                    </p:set>
+                                  </p:childTnLst>
+                                </p:cTn>
+                              </p:par>
+                            </p:childTnLst>
+                          </p:cTn>
+                        </p:par>
+                      </p:childTnLst>
+                    </p:cTn>
+                  </p:par>
+                </p:childTnLst>
+              </p:cTn>
+              <p:prevCondLst>
+                <p:cond evt="onPrev" delay="0">
+                  <p:tgtEl>
+                    <p:sldTgt/>
+                  </p:tgtEl>
+                </p:cond>
+              </p:prevCondLst>
+              <p:nextCondLst>
+                <p:cond evt="onNext" delay="0">
+                  <p:tgtEl>
+                    <p:sldTgt/>
+                  </p:tgtEl>
+                </p:cond>
+              </p:nextCondLst>
+            </p:seq>
+          </p:childTnLst>
+        </p:cTn>
+      </p:par>
+    </p:tnLst>
+  </p:timing>
 </p:sld>
 </file>
 
@@ -7757,7 +8993,7 @@
           <p:nvPr/>
         </p:nvPicPr>
         <p:blipFill>
-          <a:blip r:embed="rId2"/>
+          <a:blip r:embed="rId3"/>
           <a:stretch>
             <a:fillRect/>
           </a:stretch>
@@ -8000,6 +9236,311 @@
   <p:clrMapOvr>
     <a:masterClrMapping/>
   </p:clrMapOvr>
+  <p:timing>
+    <p:tnLst>
+      <p:par>
+        <p:cTn id="1" dur="indefinite" restart="never" nodeType="tmRoot">
+          <p:childTnLst>
+            <p:seq concurrent="1" nextAc="seek">
+              <p:cTn id="2" dur="indefinite" nodeType="mainSeq">
+                <p:childTnLst>
+                  <p:par>
+                    <p:cTn id="3" fill="hold">
+                      <p:stCondLst>
+                        <p:cond delay="indefinite"/>
+                      </p:stCondLst>
+                      <p:childTnLst>
+                        <p:par>
+                          <p:cTn id="4" fill="hold">
+                            <p:stCondLst>
+                              <p:cond delay="0"/>
+                            </p:stCondLst>
+                            <p:childTnLst>
+                              <p:par>
+                                <p:cTn id="5" presetID="1" presetClass="entr" presetSubtype="0" fill="hold" grpId="0" nodeType="clickEffect">
+                                  <p:stCondLst>
+                                    <p:cond delay="0"/>
+                                  </p:stCondLst>
+                                  <p:childTnLst>
+                                    <p:set>
+                                      <p:cBhvr>
+                                        <p:cTn id="6" dur="1" fill="hold">
+                                          <p:stCondLst>
+                                            <p:cond delay="0"/>
+                                          </p:stCondLst>
+                                        </p:cTn>
+                                        <p:tgtEl>
+                                          <p:spTgt spid="3">
+                                            <p:txEl>
+                                              <p:pRg st="0" end="0"/>
+                                            </p:txEl>
+                                          </p:spTgt>
+                                        </p:tgtEl>
+                                        <p:attrNameLst>
+                                          <p:attrName>style.visibility</p:attrName>
+                                        </p:attrNameLst>
+                                      </p:cBhvr>
+                                      <p:to>
+                                        <p:strVal val="visible"/>
+                                      </p:to>
+                                    </p:set>
+                                  </p:childTnLst>
+                                </p:cTn>
+                              </p:par>
+                              <p:par>
+                                <p:cTn id="7" presetID="1" presetClass="entr" presetSubtype="0" fill="hold" nodeType="withEffect">
+                                  <p:stCondLst>
+                                    <p:cond delay="0"/>
+                                  </p:stCondLst>
+                                  <p:childTnLst>
+                                    <p:set>
+                                      <p:cBhvr>
+                                        <p:cTn id="8" dur="1" fill="hold">
+                                          <p:stCondLst>
+                                            <p:cond delay="0"/>
+                                          </p:stCondLst>
+                                        </p:cTn>
+                                        <p:tgtEl>
+                                          <p:spTgt spid="6"/>
+                                        </p:tgtEl>
+                                        <p:attrNameLst>
+                                          <p:attrName>style.visibility</p:attrName>
+                                        </p:attrNameLst>
+                                      </p:cBhvr>
+                                      <p:to>
+                                        <p:strVal val="visible"/>
+                                      </p:to>
+                                    </p:set>
+                                  </p:childTnLst>
+                                </p:cTn>
+                              </p:par>
+                            </p:childTnLst>
+                          </p:cTn>
+                        </p:par>
+                      </p:childTnLst>
+                    </p:cTn>
+                  </p:par>
+                  <p:par>
+                    <p:cTn id="9" fill="hold">
+                      <p:stCondLst>
+                        <p:cond delay="indefinite"/>
+                      </p:stCondLst>
+                      <p:childTnLst>
+                        <p:par>
+                          <p:cTn id="10" fill="hold">
+                            <p:stCondLst>
+                              <p:cond delay="0"/>
+                            </p:stCondLst>
+                            <p:childTnLst>
+                              <p:par>
+                                <p:cTn id="11" presetID="1" presetClass="entr" presetSubtype="0" fill="hold" nodeType="clickEffect">
+                                  <p:stCondLst>
+                                    <p:cond delay="0"/>
+                                  </p:stCondLst>
+                                  <p:childTnLst>
+                                    <p:set>
+                                      <p:cBhvr>
+                                        <p:cTn id="12" dur="1" fill="hold">
+                                          <p:stCondLst>
+                                            <p:cond delay="0"/>
+                                          </p:stCondLst>
+                                        </p:cTn>
+                                        <p:tgtEl>
+                                          <p:spTgt spid="3">
+                                            <p:txEl>
+                                              <p:pRg st="1" end="1"/>
+                                            </p:txEl>
+                                          </p:spTgt>
+                                        </p:tgtEl>
+                                        <p:attrNameLst>
+                                          <p:attrName>style.visibility</p:attrName>
+                                        </p:attrNameLst>
+                                      </p:cBhvr>
+                                      <p:to>
+                                        <p:strVal val="visible"/>
+                                      </p:to>
+                                    </p:set>
+                                  </p:childTnLst>
+                                </p:cTn>
+                              </p:par>
+                            </p:childTnLst>
+                          </p:cTn>
+                        </p:par>
+                      </p:childTnLst>
+                    </p:cTn>
+                  </p:par>
+                  <p:par>
+                    <p:cTn id="13" fill="hold">
+                      <p:stCondLst>
+                        <p:cond delay="indefinite"/>
+                      </p:stCondLst>
+                      <p:childTnLst>
+                        <p:par>
+                          <p:cTn id="14" fill="hold">
+                            <p:stCondLst>
+                              <p:cond delay="0"/>
+                            </p:stCondLst>
+                            <p:childTnLst>
+                              <p:par>
+                                <p:cTn id="15" presetID="1" presetClass="entr" presetSubtype="0" fill="hold" nodeType="clickEffect">
+                                  <p:stCondLst>
+                                    <p:cond delay="0"/>
+                                  </p:stCondLst>
+                                  <p:childTnLst>
+                                    <p:set>
+                                      <p:cBhvr>
+                                        <p:cTn id="16" dur="1" fill="hold">
+                                          <p:stCondLst>
+                                            <p:cond delay="0"/>
+                                          </p:stCondLst>
+                                        </p:cTn>
+                                        <p:tgtEl>
+                                          <p:spTgt spid="3">
+                                            <p:txEl>
+                                              <p:pRg st="2" end="2"/>
+                                            </p:txEl>
+                                          </p:spTgt>
+                                        </p:tgtEl>
+                                        <p:attrNameLst>
+                                          <p:attrName>style.visibility</p:attrName>
+                                        </p:attrNameLst>
+                                      </p:cBhvr>
+                                      <p:to>
+                                        <p:strVal val="visible"/>
+                                      </p:to>
+                                    </p:set>
+                                  </p:childTnLst>
+                                </p:cTn>
+                              </p:par>
+                            </p:childTnLst>
+                          </p:cTn>
+                        </p:par>
+                      </p:childTnLst>
+                    </p:cTn>
+                  </p:par>
+                  <p:par>
+                    <p:cTn id="17" fill="hold">
+                      <p:stCondLst>
+                        <p:cond delay="indefinite"/>
+                      </p:stCondLst>
+                      <p:childTnLst>
+                        <p:par>
+                          <p:cTn id="18" fill="hold">
+                            <p:stCondLst>
+                              <p:cond delay="0"/>
+                            </p:stCondLst>
+                            <p:childTnLst>
+                              <p:par>
+                                <p:cTn id="19" presetID="1" presetClass="entr" presetSubtype="0" fill="hold" nodeType="clickEffect">
+                                  <p:stCondLst>
+                                    <p:cond delay="0"/>
+                                  </p:stCondLst>
+                                  <p:childTnLst>
+                                    <p:set>
+                                      <p:cBhvr>
+                                        <p:cTn id="20" dur="1" fill="hold">
+                                          <p:stCondLst>
+                                            <p:cond delay="0"/>
+                                          </p:stCondLst>
+                                        </p:cTn>
+                                        <p:tgtEl>
+                                          <p:spTgt spid="3">
+                                            <p:txEl>
+                                              <p:pRg st="3" end="3"/>
+                                            </p:txEl>
+                                          </p:spTgt>
+                                        </p:tgtEl>
+                                        <p:attrNameLst>
+                                          <p:attrName>style.visibility</p:attrName>
+                                        </p:attrNameLst>
+                                      </p:cBhvr>
+                                      <p:to>
+                                        <p:strVal val="visible"/>
+                                      </p:to>
+                                    </p:set>
+                                  </p:childTnLst>
+                                </p:cTn>
+                              </p:par>
+                            </p:childTnLst>
+                          </p:cTn>
+                        </p:par>
+                      </p:childTnLst>
+                    </p:cTn>
+                  </p:par>
+                  <p:par>
+                    <p:cTn id="21" fill="hold">
+                      <p:stCondLst>
+                        <p:cond delay="indefinite"/>
+                      </p:stCondLst>
+                      <p:childTnLst>
+                        <p:par>
+                          <p:cTn id="22" fill="hold">
+                            <p:stCondLst>
+                              <p:cond delay="0"/>
+                            </p:stCondLst>
+                            <p:childTnLst>
+                              <p:par>
+                                <p:cTn id="23" presetID="1" presetClass="entr" presetSubtype="0" fill="hold" nodeType="clickEffect">
+                                  <p:stCondLst>
+                                    <p:cond delay="0"/>
+                                  </p:stCondLst>
+                                  <p:childTnLst>
+                                    <p:set>
+                                      <p:cBhvr>
+                                        <p:cTn id="24" dur="1" fill="hold">
+                                          <p:stCondLst>
+                                            <p:cond delay="0"/>
+                                          </p:stCondLst>
+                                        </p:cTn>
+                                        <p:tgtEl>
+                                          <p:spTgt spid="3">
+                                            <p:txEl>
+                                              <p:pRg st="4" end="4"/>
+                                            </p:txEl>
+                                          </p:spTgt>
+                                        </p:tgtEl>
+                                        <p:attrNameLst>
+                                          <p:attrName>style.visibility</p:attrName>
+                                        </p:attrNameLst>
+                                      </p:cBhvr>
+                                      <p:to>
+                                        <p:strVal val="visible"/>
+                                      </p:to>
+                                    </p:set>
+                                  </p:childTnLst>
+                                </p:cTn>
+                              </p:par>
+                            </p:childTnLst>
+                          </p:cTn>
+                        </p:par>
+                      </p:childTnLst>
+                    </p:cTn>
+                  </p:par>
+                </p:childTnLst>
+              </p:cTn>
+              <p:prevCondLst>
+                <p:cond evt="onPrev" delay="0">
+                  <p:tgtEl>
+                    <p:sldTgt/>
+                  </p:tgtEl>
+                </p:cond>
+              </p:prevCondLst>
+              <p:nextCondLst>
+                <p:cond evt="onNext" delay="0">
+                  <p:tgtEl>
+                    <p:sldTgt/>
+                  </p:tgtEl>
+                </p:cond>
+              </p:nextCondLst>
+            </p:seq>
+          </p:childTnLst>
+        </p:cTn>
+      </p:par>
+    </p:tnLst>
+    <p:bldLst>
+      <p:bldP spid="3" grpId="0" build="p"/>
+    </p:bldLst>
+  </p:timing>
 </p:sld>
 </file>
 
